--- a/ppt/vite.pptx
+++ b/ppt/vite.pptx
@@ -27663,7 +27663,7 @@
         </p:nvGrpSpPr>
         <p:grpSpPr>
           <a:xfrm>
-            <a:off x="-1775460" y="-2124075"/>
+            <a:off x="-1775460" y="-2143760"/>
             <a:ext cx="14876780" cy="11003915"/>
             <a:chOff x="-2796" y="-3345"/>
             <a:chExt cx="23428" cy="17329"/>
@@ -29067,9 +29067,9 @@
         <p:grpSpPr>
           <a:xfrm>
             <a:off x="2230755" y="1915160"/>
-            <a:ext cx="7211695" cy="2360930"/>
+            <a:ext cx="7211695" cy="2024939"/>
             <a:chOff x="3513" y="3016"/>
-            <a:chExt cx="11357" cy="3718"/>
+            <a:chExt cx="11357" cy="3189"/>
           </a:xfrm>
         </p:grpSpPr>
         <p:sp>
@@ -29138,130 +29138,11 @@
           <p:grpSpPr>
             <a:xfrm>
               <a:off x="4329" y="3016"/>
-              <a:ext cx="10541" cy="3718"/>
+              <a:ext cx="10541" cy="3189"/>
               <a:chOff x="5621" y="3707"/>
-              <a:chExt cx="8188" cy="2888"/>
+              <a:chExt cx="8188" cy="2477"/>
             </a:xfrm>
           </p:grpSpPr>
-          <p:sp>
-            <p:nvSpPr>
-              <p:cNvPr id="35" name="图形"/>
-              <p:cNvSpPr txBox="1"/>
-              <p:nvPr/>
-            </p:nvSpPr>
-            <p:spPr>
-              <a:xfrm>
-                <a:off x="7615" y="6107"/>
-                <a:ext cx="4000" cy="488"/>
-              </a:xfrm>
-              <a:prstGeom prst="rect">
-                <a:avLst/>
-              </a:prstGeom>
-              <a:noFill/>
-            </p:spPr>
-            <p:txBody>
-              <a:bodyPr wrap="square" rtlCol="0" anchor="t">
-                <a:spAutoFit/>
-              </a:bodyPr>
-              <a:lstStyle/>
-              <a:p>
-                <a:pPr algn="ctr"/>
-                <a:r>
-                  <a:rPr lang="zh-CN" altLang="en-US" sz="2000">
-                    <a:solidFill>
-                      <a:schemeClr val="tx1">
-                        <a:lumMod val="85000"/>
-                        <a:lumOff val="15000"/>
-                      </a:schemeClr>
-                    </a:solidFill>
-                    <a:cs typeface="+mn-ea"/>
-                    <a:sym typeface="+mn-lt"/>
-                  </a:rPr>
-                  <a:t>Internet Work Report</a:t>
-                </a:r>
-                <a:endParaRPr lang="zh-CN" altLang="en-US" sz="2000">
-                  <a:solidFill>
-                    <a:schemeClr val="tx1">
-                      <a:lumMod val="85000"/>
-                      <a:lumOff val="15000"/>
-                    </a:schemeClr>
-                  </a:solidFill>
-                  <a:cs typeface="+mn-ea"/>
-                  <a:sym typeface="+mn-lt"/>
-                </a:endParaRPr>
-              </a:p>
-            </p:txBody>
-          </p:sp>
-          <p:cxnSp>
-            <p:nvCxnSpPr>
-              <p:cNvPr id="37" name="图形"/>
-              <p:cNvCxnSpPr/>
-              <p:nvPr/>
-            </p:nvCxnSpPr>
-            <p:spPr>
-              <a:xfrm>
-                <a:off x="7395" y="6349"/>
-                <a:ext cx="615" cy="0"/>
-              </a:xfrm>
-              <a:prstGeom prst="line">
-                <a:avLst/>
-              </a:prstGeom>
-              <a:ln>
-                <a:solidFill>
-                  <a:schemeClr val="tx1"/>
-                </a:solidFill>
-              </a:ln>
-            </p:spPr>
-            <p:style>
-              <a:lnRef idx="1">
-                <a:schemeClr val="accent1"/>
-              </a:lnRef>
-              <a:fillRef idx="0">
-                <a:schemeClr val="accent1"/>
-              </a:fillRef>
-              <a:effectRef idx="0">
-                <a:schemeClr val="accent1"/>
-              </a:effectRef>
-              <a:fontRef idx="minor">
-                <a:schemeClr val="tx1"/>
-              </a:fontRef>
-            </p:style>
-          </p:cxnSp>
-          <p:cxnSp>
-            <p:nvCxnSpPr>
-              <p:cNvPr id="38" name="图形"/>
-              <p:cNvCxnSpPr/>
-              <p:nvPr/>
-            </p:nvCxnSpPr>
-            <p:spPr>
-              <a:xfrm>
-                <a:off x="11240" y="6348"/>
-                <a:ext cx="615" cy="0"/>
-              </a:xfrm>
-              <a:prstGeom prst="line">
-                <a:avLst/>
-              </a:prstGeom>
-              <a:ln>
-                <a:solidFill>
-                  <a:schemeClr val="tx1"/>
-                </a:solidFill>
-              </a:ln>
-            </p:spPr>
-            <p:style>
-              <a:lnRef idx="1">
-                <a:schemeClr val="accent1"/>
-              </a:lnRef>
-              <a:fillRef idx="0">
-                <a:schemeClr val="accent1"/>
-              </a:fillRef>
-              <a:effectRef idx="0">
-                <a:schemeClr val="accent1"/>
-              </a:effectRef>
-              <a:fontRef idx="minor">
-                <a:schemeClr val="tx1"/>
-              </a:fontRef>
-            </p:style>
-          </p:cxnSp>
           <p:sp>
             <p:nvSpPr>
               <p:cNvPr id="9" name="图形"/>
@@ -29337,7 +29218,7 @@
             <p:spPr>
               <a:xfrm>
                 <a:off x="5621" y="4830"/>
-                <a:ext cx="8188" cy="1355"/>
+                <a:ext cx="8188" cy="1354"/>
               </a:xfrm>
               <a:prstGeom prst="rect">
                 <a:avLst/>
@@ -29362,10 +29243,10 @@
                     <a:cs typeface="+mn-ea"/>
                     <a:sym typeface="+mn-lt"/>
                   </a:rPr>
-                  <a:t>谢谢您观赏聆</a:t>
+                  <a:t>分享</a:t>
                 </a:r>
                 <a:r>
-                  <a:rPr lang="zh-CN" altLang="en-US" sz="6600" dirty="0" smtClean="0">
+                  <a:rPr lang="zh-CN" altLang="en-US" sz="6600" dirty="0">
                     <a:solidFill>
                       <a:schemeClr val="tx1">
                         <a:lumMod val="85000"/>
@@ -29375,7 +29256,7 @@
                     <a:cs typeface="+mn-ea"/>
                     <a:sym typeface="+mn-lt"/>
                   </a:rPr>
-                  <a:t>听</a:t>
+                  <a:t>结束</a:t>
                 </a:r>
                 <a:endParaRPr lang="zh-CN" altLang="en-US" sz="6600" dirty="0">
                   <a:solidFill>

--- a/ppt/vite.pptx
+++ b/ppt/vite.pptx
@@ -31111,7 +31111,7 @@
         <p:spPr>
           <a:xfrm>
             <a:off x="634365" y="661035"/>
-            <a:ext cx="1097280" cy="645160"/>
+            <a:ext cx="2011680" cy="645160"/>
           </a:xfrm>
           <a:prstGeom prst="rect">
             <a:avLst/>
@@ -31143,6 +31143,26 @@
                 <a:sym typeface="+mn-lt"/>
               </a:rPr>
               <a:t>大纲</a:t>
+            </a:r>
+            <a:r>
+              <a:rPr lang="zh-CN" altLang="en-US" sz="3600">
+                <a:solidFill>
+                  <a:schemeClr val="tx1">
+                    <a:lumMod val="75000"/>
+                    <a:lumOff val="25000"/>
+                  </a:schemeClr>
+                </a:solidFill>
+                <a:effectLst>
+                  <a:outerShdw blurRad="38100" dist="38100" dir="2700000" algn="tl">
+                    <a:srgbClr val="000000">
+                      <a:alpha val="43137"/>
+                    </a:srgbClr>
+                  </a:outerShdw>
+                </a:effectLst>
+                <a:cs typeface="+mn-ea"/>
+                <a:sym typeface="+mn-lt"/>
+              </a:rPr>
+              <a:t>部分</a:t>
             </a:r>
             <a:endParaRPr lang="zh-CN" altLang="en-US" sz="3600">
               <a:solidFill>
